--- a/docs/18F Graphics.pptx
+++ b/docs/18F Graphics.pptx
@@ -107,6 +107,22 @@
       </a:defRPr>
     </a:lvl9pPr>
   </p:defaultTextStyle>
+  <p:extLst>
+    <p:ext uri="{EFAFB233-063F-42B5-8137-9DF3F51BA10A}">
+      <p15:sldGuideLst xmlns:p15="http://schemas.microsoft.com/office/powerpoint/2012/main">
+        <p15:guide id="1" orient="horz" pos="1620">
+          <p15:clr>
+            <a:srgbClr val="A4A3A4"/>
+          </p15:clr>
+        </p15:guide>
+        <p15:guide id="2" pos="2880">
+          <p15:clr>
+            <a:srgbClr val="A4A3A4"/>
+          </p15:clr>
+        </p15:guide>
+      </p15:sldGuideLst>
+    </p:ext>
+  </p:extLst>
 </p:presentation>
 </file>
 
@@ -292,7 +308,7 @@
             <a:fld id="{8ACDB3CC-F982-40F9-8DD6-BCC9AFBF44BD}" type="datetime1">
               <a:rPr lang="en-US" smtClean="0"/>
               <a:pPr/>
-              <a:t>7/5/15</a:t>
+              <a:t>7/7/15</a:t>
             </a:fld>
             <a:endParaRPr lang="en-US" dirty="0"/>
           </a:p>
@@ -462,7 +478,7 @@
           <a:p>
             <a:fld id="{68C2560D-EC28-3B41-86E8-18F1CE0113B4}" type="datetimeFigureOut">
               <a:rPr lang="en-US" smtClean="0"/>
-              <a:t>7/5/15</a:t>
+              <a:t>7/7/15</a:t>
             </a:fld>
             <a:endParaRPr lang="en-US"/>
           </a:p>
@@ -642,7 +658,7 @@
           <a:p>
             <a:fld id="{68C2560D-EC28-3B41-86E8-18F1CE0113B4}" type="datetimeFigureOut">
               <a:rPr lang="en-US" smtClean="0"/>
-              <a:t>7/5/15</a:t>
+              <a:t>7/7/15</a:t>
             </a:fld>
             <a:endParaRPr lang="en-US"/>
           </a:p>
@@ -812,7 +828,7 @@
           <a:p>
             <a:fld id="{68C2560D-EC28-3B41-86E8-18F1CE0113B4}" type="datetimeFigureOut">
               <a:rPr lang="en-US" smtClean="0"/>
-              <a:t>7/5/15</a:t>
+              <a:t>7/7/15</a:t>
             </a:fld>
             <a:endParaRPr lang="en-US"/>
           </a:p>
@@ -1059,7 +1075,7 @@
             <a:fld id="{4A9E7B99-7C3F-4BC3-B7B8-7E1F8C620B24}" type="datetime1">
               <a:rPr lang="en-US" smtClean="0"/>
               <a:pPr/>
-              <a:t>7/5/15</a:t>
+              <a:t>7/7/15</a:t>
             </a:fld>
             <a:endParaRPr lang="en-US"/>
           </a:p>
@@ -1348,7 +1364,7 @@
           <a:p>
             <a:fld id="{68C2560D-EC28-3B41-86E8-18F1CE0113B4}" type="datetimeFigureOut">
               <a:rPr lang="en-US" smtClean="0"/>
-              <a:t>7/5/15</a:t>
+              <a:t>7/7/15</a:t>
             </a:fld>
             <a:endParaRPr lang="en-US"/>
           </a:p>
@@ -1770,7 +1786,7 @@
           <a:p>
             <a:fld id="{68C2560D-EC28-3B41-86E8-18F1CE0113B4}" type="datetimeFigureOut">
               <a:rPr lang="en-US" smtClean="0"/>
-              <a:t>7/5/15</a:t>
+              <a:t>7/7/15</a:t>
             </a:fld>
             <a:endParaRPr lang="en-US"/>
           </a:p>
@@ -1888,7 +1904,7 @@
           <a:p>
             <a:fld id="{68C2560D-EC28-3B41-86E8-18F1CE0113B4}" type="datetimeFigureOut">
               <a:rPr lang="en-US" smtClean="0"/>
-              <a:t>7/5/15</a:t>
+              <a:t>7/7/15</a:t>
             </a:fld>
             <a:endParaRPr lang="en-US"/>
           </a:p>
@@ -1983,7 +1999,7 @@
           <a:p>
             <a:fld id="{68C2560D-EC28-3B41-86E8-18F1CE0113B4}" type="datetimeFigureOut">
               <a:rPr lang="en-US" smtClean="0"/>
-              <a:t>7/5/15</a:t>
+              <a:t>7/7/15</a:t>
             </a:fld>
             <a:endParaRPr lang="en-US"/>
           </a:p>
@@ -2260,7 +2276,7 @@
           <a:p>
             <a:fld id="{68C2560D-EC28-3B41-86E8-18F1CE0113B4}" type="datetimeFigureOut">
               <a:rPr lang="en-US" smtClean="0"/>
-              <a:t>7/5/15</a:t>
+              <a:t>7/7/15</a:t>
             </a:fld>
             <a:endParaRPr lang="en-US"/>
           </a:p>
@@ -2520,7 +2536,7 @@
           <a:p>
             <a:fld id="{68C2560D-EC28-3B41-86E8-18F1CE0113B4}" type="datetimeFigureOut">
               <a:rPr lang="en-US" smtClean="0"/>
-              <a:t>7/5/15</a:t>
+              <a:t>7/7/15</a:t>
             </a:fld>
             <a:endParaRPr lang="en-US"/>
           </a:p>
@@ -2733,7 +2749,7 @@
           <a:p>
             <a:fld id="{68C2560D-EC28-3B41-86E8-18F1CE0113B4}" type="datetimeFigureOut">
               <a:rPr lang="en-US" smtClean="0"/>
-              <a:t>7/5/15</a:t>
+              <a:t>7/7/15</a:t>
             </a:fld>
             <a:endParaRPr lang="en-US"/>
           </a:p>
@@ -4869,10 +4885,14 @@
           <a:p>
             <a:pPr algn="ctr"/>
             <a:r>
-              <a:rPr lang="en-US" sz="1400" b="1" dirty="0" smtClean="0"/>
-              <a:t>Sprint # X</a:t>
-            </a:r>
-            <a:endParaRPr lang="en-US" sz="1400" b="1" dirty="0"/>
+              <a:rPr lang="en-US" sz="1200" b="1" dirty="0" smtClean="0"/>
+              <a:t>Sprint # </a:t>
+            </a:r>
+            <a:r>
+              <a:rPr lang="en-US" sz="1200" b="1" dirty="0" smtClean="0"/>
+              <a:t>22</a:t>
+            </a:r>
+            <a:endParaRPr lang="en-US" sz="1200" b="1" dirty="0"/>
           </a:p>
         </p:txBody>
       </p:sp>
@@ -5332,7 +5352,7 @@
       </p:grpSpPr>
       <p:pic>
         <p:nvPicPr>
-          <p:cNvPr id="2" name="Picture 1"/>
+          <p:cNvPr id="3" name="Picture 2"/>
           <p:cNvPicPr>
             <a:picLocks noChangeAspect="1"/>
           </p:cNvPicPr>
@@ -5346,8 +5366,8 @@
         </p:blipFill>
         <p:spPr>
           <a:xfrm>
-            <a:off x="0" y="571500"/>
-            <a:ext cx="9144000" cy="3976753"/>
+            <a:off x="0" y="589705"/>
+            <a:ext cx="9144000" cy="3964089"/>
           </a:xfrm>
           <a:prstGeom prst="rect">
             <a:avLst/>
@@ -6032,6 +6052,15 @@
 </file>
 
 <file path=customXml/item1.xml><?xml version="1.0" encoding="utf-8"?>
+<p:properties xmlns:p="http://schemas.microsoft.com/office/2006/metadata/properties" xmlns:xsi="http://www.w3.org/2001/XMLSchema-instance" xmlns:pc="http://schemas.microsoft.com/office/infopath/2007/PartnerControls">
+  <documentManagement>
+    <_Version xmlns="http://schemas.microsoft.com/sharepoint/v3/fields" xsi:nil="true"/>
+    <_Status xmlns="http://schemas.microsoft.com/sharepoint/v3/fields">Not Started</_Status>
+  </documentManagement>
+</p:properties>
+</file>
+
+<file path=customXml/item2.xml><?xml version="1.0" encoding="utf-8"?>
 <ct:contentTypeSchema xmlns:ct="http://schemas.microsoft.com/office/2006/metadata/contentType" xmlns:ma="http://schemas.microsoft.com/office/2006/metadata/properties/metaAttributes" ct:_="" ma:_="" ma:contentTypeName="Document" ma:contentTypeID="0x0101000DE64AEEDD9B7A4D93545ACBE97D4615" ma:contentTypeVersion="2" ma:contentTypeDescription="Create a new document." ma:contentTypeScope="" ma:versionID="f49002b78e3a4a71b814eef46a983816">
   <xsd:schema xmlns:xsd="http://www.w3.org/2001/XMLSchema" xmlns:xs="http://www.w3.org/2001/XMLSchema" xmlns:p="http://schemas.microsoft.com/office/2006/metadata/properties" xmlns:ns2="http://schemas.microsoft.com/sharepoint/v3/fields" targetNamespace="http://schemas.microsoft.com/office/2006/metadata/properties" ma:root="true" ma:fieldsID="38f6db2dd0d9a0cf6a8dc37be32b365b" ns2:_="">
     <xsd:import namespace="http://schemas.microsoft.com/sharepoint/v3/fields"/>
@@ -6175,7 +6204,7 @@
 </ct:contentTypeSchema>
 </file>
 
-<file path=customXml/item2.xml><?xml version="1.0" encoding="utf-8"?>
+<file path=customXml/item3.xml><?xml version="1.0" encoding="utf-8"?>
 <?mso-contentType ?>
 <FormTemplates xmlns="http://schemas.microsoft.com/sharepoint/v3/contenttype/forms">
   <Display>DocumentLibraryForm</Display>
@@ -6184,16 +6213,17 @@
 </FormTemplates>
 </file>
 
-<file path=customXml/item3.xml><?xml version="1.0" encoding="utf-8"?>
-<p:properties xmlns:p="http://schemas.microsoft.com/office/2006/metadata/properties" xmlns:xsi="http://www.w3.org/2001/XMLSchema-instance" xmlns:pc="http://schemas.microsoft.com/office/infopath/2007/PartnerControls">
-  <documentManagement>
-    <_Version xmlns="http://schemas.microsoft.com/sharepoint/v3/fields" xsi:nil="true"/>
-    <_Status xmlns="http://schemas.microsoft.com/sharepoint/v3/fields">Not Started</_Status>
-  </documentManagement>
-</p:properties>
+<file path=customXml/itemProps1.xml><?xml version="1.0" encoding="utf-8"?>
+<ds:datastoreItem xmlns:ds="http://schemas.openxmlformats.org/officeDocument/2006/customXml" ds:itemID="{7B6F2769-7194-4217-93D3-3AF3A4742282}">
+  <ds:schemaRefs>
+    <ds:schemaRef ds:uri="http://schemas.microsoft.com/office/2006/metadata/properties"/>
+    <ds:schemaRef ds:uri="http://schemas.microsoft.com/office/infopath/2007/PartnerControls"/>
+    <ds:schemaRef ds:uri="http://schemas.microsoft.com/sharepoint/v3/fields"/>
+  </ds:schemaRefs>
+</ds:datastoreItem>
 </file>
 
-<file path=customXml/itemProps1.xml><?xml version="1.0" encoding="utf-8"?>
+<file path=customXml/itemProps2.xml><?xml version="1.0" encoding="utf-8"?>
 <ds:datastoreItem xmlns:ds="http://schemas.openxmlformats.org/officeDocument/2006/customXml" ds:itemID="{E4214858-785C-42F7-BE66-6D0E79395FC8}">
   <ds:schemaRefs>
     <ds:schemaRef ds:uri="http://schemas.microsoft.com/office/2006/metadata/contentType"/>
@@ -6211,20 +6241,10 @@
 </ds:datastoreItem>
 </file>
 
-<file path=customXml/itemProps2.xml><?xml version="1.0" encoding="utf-8"?>
+<file path=customXml/itemProps3.xml><?xml version="1.0" encoding="utf-8"?>
 <ds:datastoreItem xmlns:ds="http://schemas.openxmlformats.org/officeDocument/2006/customXml" ds:itemID="{87D2A1B0-FF3E-4009-940D-AED0EB70AA20}">
   <ds:schemaRefs>
     <ds:schemaRef ds:uri="http://schemas.microsoft.com/sharepoint/v3/contenttype/forms"/>
   </ds:schemaRefs>
 </ds:datastoreItem>
-</file>
-
-<file path=customXml/itemProps3.xml><?xml version="1.0" encoding="utf-8"?>
-<ds:datastoreItem xmlns:ds="http://schemas.openxmlformats.org/officeDocument/2006/customXml" ds:itemID="{7B6F2769-7194-4217-93D3-3AF3A4742282}">
-  <ds:schemaRefs>
-    <ds:schemaRef ds:uri="http://schemas.microsoft.com/office/2006/metadata/properties"/>
-    <ds:schemaRef ds:uri="http://schemas.microsoft.com/office/infopath/2007/PartnerControls"/>
-    <ds:schemaRef ds:uri="http://schemas.microsoft.com/sharepoint/v3/fields"/>
-  </ds:schemaRefs>
-</ds:datastoreItem>
 </file>
--- a/docs/18F Graphics.pptx
+++ b/docs/18F Graphics.pptx
@@ -4886,11 +4886,7 @@
             <a:pPr algn="ctr"/>
             <a:r>
               <a:rPr lang="en-US" sz="1200" b="1" dirty="0" smtClean="0"/>
-              <a:t>Sprint # </a:t>
-            </a:r>
-            <a:r>
-              <a:rPr lang="en-US" sz="1200" b="1" dirty="0" smtClean="0"/>
-              <a:t>22</a:t>
+              <a:t>Sprint # 22</a:t>
             </a:r>
             <a:endParaRPr lang="en-US" sz="1200" b="1" dirty="0"/>
           </a:p>
